--- a/Poster.pptx
+++ b/Poster.pptx
@@ -6063,7 +6063,7 @@
                 <a:cs typeface="Oswald"/>
                 <a:sym typeface="Droid Serif"/>
               </a:rPr>
-              <a:t>Autori: Vladimir Gološin SV2/2020, Kristina Andrijin SV2/2020 	</a:t>
+              <a:t>Autori: Vladimir Gološin SV2/2020, Kristina Andrijin SV26/2020 	</a:t>
             </a:r>
             <a:endParaRPr sz="9600" dirty="0">
               <a:latin typeface="Oswald"/>
@@ -6573,7 +6573,7 @@
                 <a:cs typeface="Oswald"/>
                 <a:sym typeface="Oswald"/>
               </a:rPr>
-              <a:t>Da bi smo ovo postigli koristićemo (običnu ili potpuno povezanu) neuronsku mrežu i konvolucijsku neuronsku mrežu, i uporediti njihove rezultate.</a:t>
+              <a:t>Da bismo ovo postigli koristićemo (običnu ili potpuno povezanu) neuronsku mrežu i konvolucijsku neuronsku mrežu, i uporediti njihove rezultate.</a:t>
             </a:r>
             <a:endParaRPr lang="en-US" sz="2600" dirty="0">
               <a:latin typeface="Droid Serif"/>
@@ -7279,7 +7279,7 @@
                 <a:cs typeface="Droid Serif"/>
                 <a:sym typeface="Droid Serif"/>
               </a:rPr>
-              <a:t>Neuronske mreže su računarski modeli inspirisani ljudskim mozgom. Oni se sačinjavaju od među-povezanih slojeva veštačkih neurona koji obrađuju ulazne podatke i uče da prepoznaju šablone. Pomoću njih može se raditi klasifikacija, regresija i prepoznavanje slika. Ove mreže uče pomoću prilagođivanja jačina veza između neurona u procesu koji se zove treniranje. Pomoću iterativnih algoritama za optimizaciju kao što su „backpropagation“, neuronske mreže se adaptiraju i nadograđuju svoje performanse tokom vremena. Ovo ih čini veoma efektivnim u rukovanju kompleksnih i visoko-dimenzionalnih podataka.</a:t>
+              <a:t>Neuronske mreže su računarski modeli inspirisani ljudskim mozgom. Oni se sačinjavaju od među-povezanih slojeva veštačkih neurona koji obrađuju ulazne podatke i uče da prepoznavaju šablone. Pomoću njih može se raditi klasifikacija, regresija i prepoznavanje slika. Ove mreže uče pomoću prilagođivanja jačina veza između neurona u procesu koji se zove treniranje. Pomoću iterativnih algoritama za optimizaciju kao što su „backpropagation“, neuronske mreže se adaptiraju i nadograđuju svoje performanse tokom vremena. Ovo ih čini veoma efektivnim u rukovanju kompleksnih i visoko-dimenzionalnih podataka.</a:t>
             </a:r>
           </a:p>
           <a:p>
@@ -7338,8 +7338,8 @@
         </p:nvSpPr>
         <p:spPr>
           <a:xfrm>
-            <a:off x="16173275" y="19691498"/>
-            <a:ext cx="10285800" cy="1513174"/>
+            <a:off x="16173275" y="19879733"/>
+            <a:ext cx="10285800" cy="1324938"/>
           </a:xfrm>
           <a:prstGeom prst="rect">
             <a:avLst/>
@@ -8057,8 +8057,8 @@
         </p:nvSpPr>
         <p:spPr>
           <a:xfrm>
-            <a:off x="30280438" y="27463899"/>
-            <a:ext cx="8084400" cy="1022200"/>
+            <a:off x="30280438" y="27231931"/>
+            <a:ext cx="8084400" cy="1254168"/>
           </a:xfrm>
           <a:prstGeom prst="rect">
             <a:avLst/>
@@ -8115,8 +8115,8 @@
         </p:nvSpPr>
         <p:spPr>
           <a:xfrm>
-            <a:off x="30280437" y="28676600"/>
-            <a:ext cx="11040817" cy="2359000"/>
+            <a:off x="30280438" y="28375276"/>
+            <a:ext cx="12128472" cy="3055855"/>
           </a:xfrm>
           <a:prstGeom prst="rect">
             <a:avLst/>
@@ -8145,7 +8145,7 @@
               <a:buNone/>
             </a:pPr>
             <a:r>
-              <a:rPr lang="sr-Latn-RS" sz="2400" dirty="0">
+              <a:rPr lang="sr-Latn-RS" sz="2600" dirty="0">
                 <a:solidFill>
                   <a:srgbClr val="434343"/>
                 </a:solidFill>
@@ -8171,7 +8171,7 @@
               <a:buNone/>
             </a:pPr>
             <a:r>
-              <a:rPr lang="sr-Latn-RS" sz="2400" dirty="0">
+              <a:rPr lang="sr-Latn-RS" sz="2600" dirty="0">
                 <a:solidFill>
                   <a:srgbClr val="434343"/>
                 </a:solidFill>
@@ -8456,8 +8456,8 @@
         </p:blipFill>
         <p:spPr>
           <a:xfrm>
-            <a:off x="32403714" y="20218135"/>
-            <a:ext cx="8404371" cy="6723497"/>
+            <a:off x="32578813" y="20218135"/>
+            <a:ext cx="8084400" cy="6467520"/>
           </a:xfrm>
           <a:prstGeom prst="rect">
             <a:avLst/>

--- a/Poster.pptx
+++ b/Poster.pptx
@@ -7762,7 +7762,7 @@
                 <a:cs typeface="Droid Serif"/>
                 <a:sym typeface="Droid Serif"/>
               </a:rPr>
-              <a:t>Preciznost: ~100% za treniranje, 53% za validaciju i 51% za testiranje</a:t>
+              <a:t>Preciznost: ~100% za treniranje, 35% za validaciju i 30% za testiranje</a:t>
             </a:r>
           </a:p>
           <a:p>
